--- a/files/slides/lecture_12.pptx
+++ b/files/slides/lecture_12.pptx
@@ -6092,7 +6092,29 @@
                   <a:ea typeface="微软雅黑" panose="020B0503020204020204" charset="-122"/>
                   <a:cs typeface="微软雅黑" panose="020B0503020204020204" charset="-122"/>
                 </a:rPr>
-                <a:t>将诚信提高到政治高度的，是春秋时期的管仲，他在</a:t>
+                <a:t>将诚信提高到政治高度的，是春秋时期的</a:t>
+              </a:r>
+              <a:r>
+                <a:rPr lang="zh-CN" altLang="en-US" sz="2000" dirty="0">
+                  <a:solidFill>
+                    <a:srgbClr val="00B0F0"/>
+                  </a:solidFill>
+                  <a:latin typeface="微软雅黑" panose="020B0503020204020204" charset="-122"/>
+                  <a:ea typeface="微软雅黑" panose="020B0503020204020204" charset="-122"/>
+                  <a:cs typeface="微软雅黑" panose="020B0503020204020204" charset="-122"/>
+                </a:rPr>
+                <a:t>管仲</a:t>
+              </a:r>
+              <a:r>
+                <a:rPr lang="zh-CN" altLang="en-US" sz="2000" dirty="0">
+                  <a:solidFill>
+                    <a:srgbClr val="000000"/>
+                  </a:solidFill>
+                  <a:latin typeface="微软雅黑" panose="020B0503020204020204" charset="-122"/>
+                  <a:ea typeface="微软雅黑" panose="020B0503020204020204" charset="-122"/>
+                  <a:cs typeface="微软雅黑" panose="020B0503020204020204" charset="-122"/>
+                </a:rPr>
+                <a:t>，他在</a:t>
               </a:r>
               <a:r>
                 <a:rPr lang="en-US" altLang="zh-CN" sz="2000">
@@ -17195,7 +17217,7 @@
         <p:spPr>
           <a:xfrm>
             <a:off x="1065530" y="1918970"/>
-            <a:ext cx="10059035" cy="1938020"/>
+            <a:ext cx="10059035" cy="2306955"/>
           </a:xfrm>
           <a:prstGeom prst="rect">
             <a:avLst/>
@@ -17215,13 +17237,13 @@
               <a:buChar char=""/>
             </a:pPr>
             <a:r>
-              <a:rPr lang="zh-CN" altLang="en-US" sz="2000">
+              <a:rPr lang="zh-CN" altLang="en-US" sz="2400">
                 <a:latin typeface="微软雅黑" panose="020B0503020204020204" charset="-122"/>
                 <a:ea typeface="微软雅黑" panose="020B0503020204020204" charset="-122"/>
               </a:rPr>
               <a:t>毁掉了政府机构公信力；</a:t>
             </a:r>
-            <a:endParaRPr lang="zh-CN" altLang="en-US" sz="2000">
+            <a:endParaRPr lang="zh-CN" altLang="en-US" sz="2400">
               <a:latin typeface="微软雅黑" panose="020B0503020204020204" charset="-122"/>
               <a:ea typeface="微软雅黑" panose="020B0503020204020204" charset="-122"/>
             </a:endParaRPr>
@@ -17235,13 +17257,13 @@
               <a:buChar char=""/>
             </a:pPr>
             <a:r>
-              <a:rPr lang="zh-CN" altLang="en-US" sz="2000">
+              <a:rPr lang="zh-CN" altLang="en-US" sz="2400">
                 <a:latin typeface="微软雅黑" panose="020B0503020204020204" charset="-122"/>
                 <a:ea typeface="微软雅黑" panose="020B0503020204020204" charset="-122"/>
               </a:rPr>
               <a:t>影响经济发展；</a:t>
             </a:r>
-            <a:endParaRPr lang="zh-CN" altLang="en-US" sz="2000">
+            <a:endParaRPr lang="zh-CN" altLang="en-US" sz="2400">
               <a:latin typeface="微软雅黑" panose="020B0503020204020204" charset="-122"/>
               <a:ea typeface="微软雅黑" panose="020B0503020204020204" charset="-122"/>
             </a:endParaRPr>
@@ -17255,13 +17277,13 @@
               <a:buChar char=""/>
             </a:pPr>
             <a:r>
-              <a:rPr lang="zh-CN" altLang="en-US" sz="2000">
+              <a:rPr lang="zh-CN" altLang="en-US" sz="2400">
                 <a:latin typeface="微软雅黑" panose="020B0503020204020204" charset="-122"/>
                 <a:ea typeface="微软雅黑" panose="020B0503020204020204" charset="-122"/>
               </a:rPr>
               <a:t>影响政府的公众形象与国际形象；</a:t>
             </a:r>
-            <a:endParaRPr lang="zh-CN" altLang="en-US" sz="2000">
+            <a:endParaRPr lang="zh-CN" altLang="en-US" sz="2400">
               <a:latin typeface="微软雅黑" panose="020B0503020204020204" charset="-122"/>
               <a:ea typeface="微软雅黑" panose="020B0503020204020204" charset="-122"/>
             </a:endParaRPr>
@@ -17275,13 +17297,13 @@
               <a:buChar char=""/>
             </a:pPr>
             <a:r>
-              <a:rPr lang="zh-CN" altLang="en-US" sz="2000">
+              <a:rPr lang="zh-CN" altLang="en-US" sz="2400">
                 <a:latin typeface="微软雅黑" panose="020B0503020204020204" charset="-122"/>
                 <a:ea typeface="微软雅黑" panose="020B0503020204020204" charset="-122"/>
               </a:rPr>
               <a:t>影响执政地位的巩固和提高</a:t>
             </a:r>
-            <a:endParaRPr lang="zh-CN" altLang="en-US" sz="2000">
+            <a:endParaRPr lang="zh-CN" altLang="en-US" sz="2400">
               <a:latin typeface="微软雅黑" panose="020B0503020204020204" charset="-122"/>
               <a:ea typeface="微软雅黑" panose="020B0503020204020204" charset="-122"/>
             </a:endParaRPr>
@@ -17778,7 +17800,7 @@
             <a:r>
               <a:rPr lang="zh-CN" altLang="en-US" sz="2000">
                 <a:solidFill>
-                  <a:srgbClr val="FF0000"/>
+                  <a:srgbClr val="00B0F0"/>
                 </a:solidFill>
                 <a:latin typeface="微软雅黑" panose="020B0503020204020204" charset="-122"/>
                 <a:ea typeface="微软雅黑" panose="020B0503020204020204" charset="-122"/>
@@ -20340,7 +20362,7 @@
               <a:defRPr/>
             </a:pPr>
             <a:r>
-              <a:rPr kumimoji="0" lang="zh-CN" altLang="en-US" sz="2400" i="0" u="none" strike="noStrike" kern="1200" cap="none" spc="0" normalizeH="0" baseline="0" noProof="0" dirty="0">
+              <a:rPr kumimoji="0" lang="zh-CN" altLang="en-US" sz="2400" b="1" i="0" u="none" strike="noStrike" kern="1200" cap="none" spc="0" normalizeH="0" baseline="0" noProof="0" dirty="0">
                 <a:ln>
                   <a:noFill/>
                 </a:ln>
@@ -20356,7 +20378,7 @@
               </a:rPr>
               <a:t>掌握公债信用管理方法</a:t>
             </a:r>
-            <a:endParaRPr kumimoji="0" lang="zh-CN" altLang="en-US" sz="2400" i="0" u="none" strike="noStrike" kern="1200" cap="none" spc="0" normalizeH="0" baseline="0" noProof="0" dirty="0">
+            <a:endParaRPr kumimoji="0" lang="zh-CN" altLang="en-US" sz="2400" b="1" i="0" u="none" strike="noStrike" kern="1200" cap="none" spc="0" normalizeH="0" baseline="0" noProof="0" dirty="0">
               <a:ln>
                 <a:noFill/>
               </a:ln>
@@ -28444,7 +28466,41 @@
                 <a:ea typeface="微软雅黑" panose="020B0503020204020204" charset="-122"/>
                 <a:cs typeface="微软雅黑" panose="020B0503020204020204" charset="-122"/>
               </a:rPr>
-              <a:t>日，冰岛通过全民公决，否认了原来政府所达成的向英国和荷兰偿还巨额赔款的协议——人民选择了让国家信用破产的道路！这意味着冰岛将拒绝偿还其所有欠款，欠款不还，以后将不能在国际上得到借款，冰岛成了金融危机爆发以来第一个倒在债务面前的国家！　</a:t>
+              <a:t>日，冰岛通过全民公决，否认了原来政府所达成的向英国和荷兰偿还巨额赔款的协议——</a:t>
+            </a:r>
+            <a:r>
+              <a:rPr kumimoji="0" lang="zh-CN" altLang="zh-CN" sz="2000" b="0" i="0" u="none" strike="noStrike" kern="0" cap="none" spc="0" normalizeH="0" baseline="0" noProof="0" dirty="0">
+                <a:ln>
+                  <a:noFill/>
+                </a:ln>
+                <a:solidFill>
+                  <a:srgbClr val="00B0F0"/>
+                </a:solidFill>
+                <a:effectLst/>
+                <a:uLnTx/>
+                <a:uFillTx/>
+                <a:latin typeface="微软雅黑" panose="020B0503020204020204" charset="-122"/>
+                <a:ea typeface="微软雅黑" panose="020B0503020204020204" charset="-122"/>
+                <a:cs typeface="微软雅黑" panose="020B0503020204020204" charset="-122"/>
+              </a:rPr>
+              <a:t>人民选择了让国家信用破产的道路！这意味着冰岛将拒绝偿还其所有欠款</a:t>
+            </a:r>
+            <a:r>
+              <a:rPr kumimoji="0" lang="zh-CN" altLang="zh-CN" sz="2000" b="0" i="0" u="none" strike="noStrike" kern="0" cap="none" spc="0" normalizeH="0" baseline="0" noProof="0" dirty="0">
+                <a:ln>
+                  <a:noFill/>
+                </a:ln>
+                <a:solidFill>
+                  <a:srgbClr val="130401"/>
+                </a:solidFill>
+                <a:effectLst/>
+                <a:uLnTx/>
+                <a:uFillTx/>
+                <a:latin typeface="微软雅黑" panose="020B0503020204020204" charset="-122"/>
+                <a:ea typeface="微软雅黑" panose="020B0503020204020204" charset="-122"/>
+                <a:cs typeface="微软雅黑" panose="020B0503020204020204" charset="-122"/>
+              </a:rPr>
+              <a:t>，欠款不还，以后将不能在国际上得到借款，冰岛成了金融危机爆发以来第一个倒在债务面前的国家！　</a:t>
             </a:r>
             <a:endParaRPr kumimoji="0" lang="zh-CN" altLang="zh-CN" sz="2000" b="0" i="0" u="none" strike="noStrike" kern="0" cap="none" spc="0" normalizeH="0" baseline="0" noProof="0" dirty="0">
               <a:ln>
@@ -29371,6 +29427,23 @@
               <a:defRPr/>
             </a:pPr>
             <a:r>
+              <a:rPr kumimoji="0" lang="zh-CN" altLang="zh-CN" sz="2000" b="1" i="0" u="none" strike="noStrike" kern="0" cap="none" spc="0" normalizeH="0" baseline="0" noProof="0" dirty="0">
+                <a:ln>
+                  <a:noFill/>
+                </a:ln>
+                <a:solidFill>
+                  <a:srgbClr val="130401"/>
+                </a:solidFill>
+                <a:effectLst/>
+                <a:uLnTx/>
+                <a:uFillTx/>
+                <a:latin typeface="微软雅黑" panose="020B0503020204020204" charset="-122"/>
+                <a:ea typeface="微软雅黑" panose="020B0503020204020204" charset="-122"/>
+                <a:cs typeface="微软雅黑" panose="020B0503020204020204" charset="-122"/>
+              </a:rPr>
+              <a:t>开端</a:t>
+            </a:r>
+            <a:r>
               <a:rPr kumimoji="0" lang="zh-CN" altLang="zh-CN" sz="2000" b="0" i="0" u="none" strike="noStrike" kern="0" cap="none" spc="0" normalizeH="0" baseline="0" noProof="0" dirty="0">
                 <a:ln>
                   <a:noFill/>
@@ -29385,7 +29458,7 @@
                 <a:ea typeface="微软雅黑" panose="020B0503020204020204" charset="-122"/>
                 <a:cs typeface="微软雅黑" panose="020B0503020204020204" charset="-122"/>
               </a:rPr>
-              <a:t>开端：</a:t>
+              <a:t>：</a:t>
             </a:r>
             <a:r>
               <a:rPr kumimoji="0" lang="en-US" altLang="zh-CN" sz="2000" b="0" i="0" u="none" strike="noStrike" kern="0" cap="none" spc="0" normalizeH="0" baseline="0" noProof="0" dirty="0">
@@ -29454,6 +29527,23 @@
               <a:defRPr/>
             </a:pPr>
             <a:r>
+              <a:rPr kumimoji="0" lang="zh-CN" altLang="zh-CN" sz="2000" b="1" i="0" u="none" strike="noStrike" kern="0" cap="none" spc="0" normalizeH="0" baseline="0" noProof="0" dirty="0">
+                <a:ln>
+                  <a:noFill/>
+                </a:ln>
+                <a:solidFill>
+                  <a:srgbClr val="130401"/>
+                </a:solidFill>
+                <a:effectLst/>
+                <a:uLnTx/>
+                <a:uFillTx/>
+                <a:latin typeface="微软雅黑" panose="020B0503020204020204" charset="-122"/>
+                <a:ea typeface="微软雅黑" panose="020B0503020204020204" charset="-122"/>
+                <a:cs typeface="微软雅黑" panose="020B0503020204020204" charset="-122"/>
+              </a:rPr>
+              <a:t>发展</a:t>
+            </a:r>
+            <a:r>
               <a:rPr kumimoji="0" lang="zh-CN" altLang="zh-CN" sz="2000" b="0" i="0" u="none" strike="noStrike" kern="0" cap="none" spc="0" normalizeH="0" baseline="0" noProof="0" dirty="0">
                 <a:ln>
                   <a:noFill/>
@@ -29468,7 +29558,7 @@
                 <a:ea typeface="微软雅黑" panose="020B0503020204020204" charset="-122"/>
                 <a:cs typeface="微软雅黑" panose="020B0503020204020204" charset="-122"/>
               </a:rPr>
-              <a:t>发展：随着事件的发展，欧洲其它国家也开始陷入危机，从希腊、爱尔兰、葡萄牙和西班牙至比利时和意大利，希腊已非危机主角，整个欧盟都受到债务危机困扰。</a:t>
+              <a:t>：随着事件的发展，欧洲其它国家也开始陷入危机，从希腊、爱尔兰、葡萄牙和西班牙至比利时和意大利，希腊已非危机主角，整个欧盟都受到债务危机困扰。</a:t>
             </a:r>
             <a:endParaRPr kumimoji="0" lang="zh-CN" altLang="zh-CN" sz="2000" b="0" i="0" u="none" strike="noStrike" kern="0" cap="none" spc="0" normalizeH="0" baseline="0" noProof="0" dirty="0">
               <a:ln>
@@ -29503,6 +29593,23 @@
               <a:defRPr/>
             </a:pPr>
             <a:r>
+              <a:rPr kumimoji="0" lang="zh-CN" altLang="zh-CN" sz="2000" b="1" i="0" u="none" strike="noStrike" kern="0" cap="none" spc="0" normalizeH="0" baseline="0" noProof="0" dirty="0">
+                <a:ln>
+                  <a:noFill/>
+                </a:ln>
+                <a:solidFill>
+                  <a:srgbClr val="130401"/>
+                </a:solidFill>
+                <a:effectLst/>
+                <a:uLnTx/>
+                <a:uFillTx/>
+                <a:latin typeface="微软雅黑" panose="020B0503020204020204" charset="-122"/>
+                <a:ea typeface="微软雅黑" panose="020B0503020204020204" charset="-122"/>
+                <a:cs typeface="微软雅黑" panose="020B0503020204020204" charset="-122"/>
+              </a:rPr>
+              <a:t>蔓延</a:t>
+            </a:r>
+            <a:r>
               <a:rPr kumimoji="0" lang="zh-CN" altLang="zh-CN" sz="2000" b="0" i="0" u="none" strike="noStrike" kern="0" cap="none" spc="0" normalizeH="0" baseline="0" noProof="0" dirty="0">
                 <a:ln>
                   <a:noFill/>
@@ -29517,7 +29624,7 @@
                 <a:ea typeface="微软雅黑" panose="020B0503020204020204" charset="-122"/>
                 <a:cs typeface="微软雅黑" panose="020B0503020204020204" charset="-122"/>
               </a:rPr>
-              <a:t>蔓延：德国等欧元区的龙头国都开始感受到危机的影响，因为欧元大幅下跌，加上欧洲股市暴挫，整个欧元区正面对成立十一年以来最严峻的考验，有评论家更推测欧元区最终会解体收场。</a:t>
+              <a:t>：德国等欧元区的龙头国都开始感受到危机的影响，因为欧元大幅下跌，加上欧洲股市暴挫，整个欧元区正面对成立十一年以来最严峻的考验，有评论家更推测欧元区最终会解体收场。</a:t>
             </a:r>
             <a:endParaRPr kumimoji="0" lang="zh-CN" altLang="zh-CN" sz="2000" b="0" i="0" u="none" strike="noStrike" kern="0" cap="none" spc="0" normalizeH="0" baseline="0" noProof="0" dirty="0">
               <a:ln>
@@ -29552,6 +29659,23 @@
               <a:defRPr/>
             </a:pPr>
             <a:r>
+              <a:rPr kumimoji="0" lang="zh-CN" altLang="zh-CN" sz="2000" b="1" i="0" u="none" strike="noStrike" kern="0" cap="none" spc="0" normalizeH="0" baseline="0" noProof="0" dirty="0">
+                <a:ln>
+                  <a:noFill/>
+                </a:ln>
+                <a:solidFill>
+                  <a:srgbClr val="130401"/>
+                </a:solidFill>
+                <a:effectLst/>
+                <a:uLnTx/>
+                <a:uFillTx/>
+                <a:latin typeface="微软雅黑" panose="020B0503020204020204" charset="-122"/>
+                <a:ea typeface="微软雅黑" panose="020B0503020204020204" charset="-122"/>
+                <a:cs typeface="微软雅黑" panose="020B0503020204020204" charset="-122"/>
+              </a:rPr>
+              <a:t>升级</a:t>
+            </a:r>
+            <a:r>
               <a:rPr kumimoji="0" lang="zh-CN" altLang="zh-CN" sz="2000" b="0" i="0" u="none" strike="noStrike" kern="0" cap="none" spc="0" normalizeH="0" baseline="0" noProof="0" dirty="0">
                 <a:ln>
                   <a:noFill/>
@@ -29566,7 +29690,7 @@
                 <a:ea typeface="微软雅黑" panose="020B0503020204020204" charset="-122"/>
                 <a:cs typeface="微软雅黑" panose="020B0503020204020204" charset="-122"/>
               </a:rPr>
-              <a:t>升级：希腊财政部长称，希腊在</a:t>
+              <a:t>：希腊财政部长称，希腊在</a:t>
             </a:r>
             <a:r>
               <a:rPr kumimoji="0" lang="en-US" altLang="zh-CN" sz="2000" b="0" i="0" u="none" strike="noStrike" kern="0" cap="none" spc="0" normalizeH="0" baseline="0" noProof="0" dirty="0">
@@ -30009,6 +30133,23 @@
               <a:defRPr/>
             </a:pPr>
             <a:r>
+              <a:rPr kumimoji="0" lang="zh-CN" altLang="zh-CN" sz="2000" b="1" i="0" u="none" strike="noStrike" kern="0" cap="none" spc="0" normalizeH="0" baseline="0" noProof="0" dirty="0">
+                <a:ln>
+                  <a:noFill/>
+                </a:ln>
+                <a:solidFill>
+                  <a:srgbClr val="130401"/>
+                </a:solidFill>
+                <a:effectLst/>
+                <a:uLnTx/>
+                <a:uFillTx/>
+                <a:latin typeface="微软雅黑" panose="020B0503020204020204" charset="-122"/>
+                <a:ea typeface="微软雅黑" panose="020B0503020204020204" charset="-122"/>
+                <a:cs typeface="微软雅黑" panose="020B0503020204020204" charset="-122"/>
+              </a:rPr>
+              <a:t>余震</a:t>
+            </a:r>
+            <a:r>
               <a:rPr kumimoji="0" lang="zh-CN" altLang="zh-CN" sz="2000" b="0" i="0" u="none" strike="noStrike" kern="0" cap="none" spc="0" normalizeH="0" baseline="0" noProof="0" dirty="0">
                 <a:ln>
                   <a:noFill/>
@@ -30023,7 +30164,7 @@
                 <a:ea typeface="微软雅黑" panose="020B0503020204020204" charset="-122"/>
                 <a:cs typeface="微软雅黑" panose="020B0503020204020204" charset="-122"/>
               </a:rPr>
-              <a:t>余震：国际评级机构标准普尔公司</a:t>
+              <a:t>：国际评级机构标准普尔公司</a:t>
             </a:r>
             <a:r>
               <a:rPr kumimoji="0" lang="en-US" altLang="zh-CN" sz="2000" b="0" i="0" u="none" strike="noStrike" kern="0" cap="none" spc="0" normalizeH="0" baseline="0" noProof="0" dirty="0">
@@ -31773,7 +31914,75 @@
                   <a:ea typeface="微软雅黑" panose="020B0503020204020204" charset="-122"/>
                   <a:cs typeface="+mn-cs"/>
                 </a:rPr>
-                <a:t>指国内外社会各主体对一国政府守约重诺的信任，它是社会信用体系的核心，此处政府是指广义的政府，即行使国家权力的所有政府机关。</a:t>
+                <a:t>指</a:t>
+              </a:r>
+              <a:r>
+                <a:rPr kumimoji="1" lang="zh-CN" altLang="en-US" sz="2400" b="0" i="0" u="none" strike="noStrike" kern="1200" cap="none" spc="0" normalizeH="0" baseline="0" noProof="0" dirty="0">
+                  <a:ln>
+                    <a:noFill/>
+                  </a:ln>
+                  <a:solidFill>
+                    <a:srgbClr val="00B0F0"/>
+                  </a:solidFill>
+                  <a:effectLst/>
+                  <a:uLnTx/>
+                  <a:uFillTx/>
+                  <a:latin typeface="微软雅黑" panose="020B0503020204020204" charset="-122"/>
+                  <a:ea typeface="微软雅黑" panose="020B0503020204020204" charset="-122"/>
+                  <a:cs typeface="+mn-cs"/>
+                </a:rPr>
+                <a:t>国内外社会各主体对一国政府守约重诺的信任</a:t>
+              </a:r>
+              <a:r>
+                <a:rPr kumimoji="1" lang="zh-CN" altLang="en-US" sz="2400" b="0" i="0" u="none" strike="noStrike" kern="1200" cap="none" spc="0" normalizeH="0" baseline="0" noProof="0" dirty="0">
+                  <a:ln>
+                    <a:noFill/>
+                  </a:ln>
+                  <a:solidFill>
+                    <a:srgbClr val="000000"/>
+                  </a:solidFill>
+                  <a:effectLst/>
+                  <a:uLnTx/>
+                  <a:uFillTx/>
+                  <a:latin typeface="微软雅黑" panose="020B0503020204020204" charset="-122"/>
+                  <a:ea typeface="微软雅黑" panose="020B0503020204020204" charset="-122"/>
+                  <a:cs typeface="+mn-cs"/>
+                </a:rPr>
+                <a:t>，它是</a:t>
+              </a:r>
+              <a:r>
+                <a:rPr kumimoji="1" lang="zh-CN" altLang="en-US" sz="2400" b="0" i="0" u="none" strike="noStrike" kern="1200" cap="none" spc="0" normalizeH="0" baseline="0" noProof="0" dirty="0">
+                  <a:ln>
+                    <a:noFill/>
+                  </a:ln>
+                  <a:solidFill>
+                    <a:srgbClr val="00B0F0"/>
+                  </a:solidFill>
+                  <a:effectLst/>
+                  <a:uLnTx/>
+                  <a:uFillTx/>
+                  <a:latin typeface="微软雅黑" panose="020B0503020204020204" charset="-122"/>
+                  <a:ea typeface="微软雅黑" panose="020B0503020204020204" charset="-122"/>
+                  <a:cs typeface="+mn-cs"/>
+                </a:rPr>
+                <a:t>社会信用体系的核心</a:t>
+              </a:r>
+              <a:r>
+                <a:rPr kumimoji="1" lang="zh-CN" altLang="en-US" sz="2400" b="0" i="0" u="none" strike="noStrike" kern="1200" cap="none" spc="0" normalizeH="0" baseline="0" noProof="0" dirty="0">
+                  <a:ln>
+                    <a:noFill/>
+                  </a:ln>
+                  <a:solidFill>
+                    <a:srgbClr val="000000"/>
+                  </a:solidFill>
+                  <a:effectLst/>
+                  <a:uLnTx/>
+                  <a:uFillTx/>
+                  <a:latin typeface="微软雅黑" panose="020B0503020204020204" charset="-122"/>
+                  <a:ea typeface="微软雅黑" panose="020B0503020204020204" charset="-122"/>
+                  <a:cs typeface="+mn-cs"/>
+                </a:rPr>
+                <a:t>，此处政府是指广义的政府，即行使国家权力的所有政府机关。</a:t>
               </a:r>
               <a:endParaRPr kumimoji="1" lang="zh-CN" altLang="en-US" sz="2400" b="0" i="0" u="none" strike="noStrike" kern="1200" cap="none" spc="0" normalizeH="0" baseline="0" noProof="0" dirty="0">
                 <a:ln>
@@ -33847,7 +34056,7 @@
                 <a:ea typeface="微软雅黑" panose="020B0503020204020204" charset="-122"/>
                 <a:sym typeface="+mn-ea"/>
               </a:rPr>
-              <a:t>二、政府信用思想</a:t>
+              <a:t>二、政府信用的思想</a:t>
             </a:r>
             <a:endParaRPr lang="zh-CN" altLang="en-US" sz="3200" dirty="0">
               <a:solidFill>
@@ -34037,6 +34246,23 @@
                     <a:noFill/>
                   </a:ln>
                   <a:solidFill>
+                    <a:schemeClr val="tx1"/>
+                  </a:solidFill>
+                  <a:effectLst/>
+                  <a:uLnTx/>
+                  <a:uFillTx/>
+                  <a:latin typeface="微软雅黑" panose="020B0503020204020204" charset="-122"/>
+                  <a:ea typeface="微软雅黑" panose="020B0503020204020204" charset="-122"/>
+                  <a:cs typeface="微软雅黑" panose="020B0503020204020204" charset="-122"/>
+                </a:rPr>
+                <a:t>政府信用的思想来源于近代西方出现的社会契约理论</a:t>
+              </a:r>
+              <a:r>
+                <a:rPr kumimoji="1" lang="zh-CN" altLang="en-US" sz="2000" b="1" i="0" u="none" strike="noStrike" kern="1200" cap="none" spc="0" normalizeH="0" baseline="0" noProof="0" dirty="0">
+                  <a:ln>
+                    <a:noFill/>
+                  </a:ln>
+                  <a:solidFill>
                     <a:srgbClr val="C00000"/>
                   </a:solidFill>
                   <a:effectLst/>
@@ -34046,7 +34272,7 @@
                   <a:ea typeface="微软雅黑" panose="020B0503020204020204" charset="-122"/>
                   <a:cs typeface="微软雅黑" panose="020B0503020204020204" charset="-122"/>
                 </a:rPr>
-                <a:t>政府信用的思想来源于近代西方出现的社会契约理论：</a:t>
+                <a:t>：</a:t>
               </a:r>
               <a:endParaRPr kumimoji="1" lang="en-US" altLang="zh-CN" sz="2400" b="1" i="0" u="none" strike="noStrike" kern="1200" cap="none" spc="0" normalizeH="0" baseline="0" noProof="0" dirty="0">
                 <a:ln>
@@ -34144,7 +34370,24 @@
                   <a:ea typeface="微软雅黑" panose="020B0503020204020204" charset="-122"/>
                   <a:cs typeface="微软雅黑" panose="020B0503020204020204" charset="-122"/>
                 </a:rPr>
-                <a:t>人民与政府之间存在着政治委托</a:t>
+                <a:t>人民与政府之间存在着</a:t>
+              </a:r>
+              <a:r>
+                <a:rPr kumimoji="1" lang="zh-CN" altLang="en-US" sz="2000" b="0" i="0" u="none" strike="noStrike" kern="1200" cap="none" spc="0" normalizeH="0" baseline="0" noProof="0" dirty="0">
+                  <a:ln>
+                    <a:noFill/>
+                  </a:ln>
+                  <a:solidFill>
+                    <a:srgbClr val="00B0F0"/>
+                  </a:solidFill>
+                  <a:effectLst/>
+                  <a:uLnTx/>
+                  <a:uFillTx/>
+                  <a:latin typeface="微软雅黑" panose="020B0503020204020204" charset="-122"/>
+                  <a:ea typeface="微软雅黑" panose="020B0503020204020204" charset="-122"/>
+                  <a:cs typeface="微软雅黑" panose="020B0503020204020204" charset="-122"/>
+                </a:rPr>
+                <a:t>政治委托</a:t>
               </a:r>
               <a:r>
                 <a:rPr kumimoji="1" lang="en-US" altLang="zh-CN" sz="2000" b="0" i="0" u="none" strike="noStrike" kern="1200" cap="none" spc="0" normalizeH="0" baseline="0" noProof="0" dirty="0">
@@ -34152,7 +34395,7 @@
                     <a:noFill/>
                   </a:ln>
                   <a:solidFill>
-                    <a:srgbClr val="000000"/>
+                    <a:srgbClr val="00B0F0"/>
                   </a:solidFill>
                   <a:effectLst/>
                   <a:uLnTx/>
@@ -34169,6 +34412,23 @@
                     <a:noFill/>
                   </a:ln>
                   <a:solidFill>
+                    <a:srgbClr val="00B0F0"/>
+                  </a:solidFill>
+                  <a:effectLst/>
+                  <a:uLnTx/>
+                  <a:uFillTx/>
+                  <a:latin typeface="微软雅黑" panose="020B0503020204020204" charset="-122"/>
+                  <a:ea typeface="微软雅黑" panose="020B0503020204020204" charset="-122"/>
+                  <a:cs typeface="微软雅黑" panose="020B0503020204020204" charset="-122"/>
+                </a:rPr>
+                <a:t>代理关系</a:t>
+              </a:r>
+              <a:r>
+                <a:rPr kumimoji="1" lang="zh-CN" altLang="en-US" sz="2000" b="0" i="0" u="none" strike="noStrike" kern="1200" cap="none" spc="0" normalizeH="0" baseline="0" noProof="0" dirty="0">
+                  <a:ln>
+                    <a:noFill/>
+                  </a:ln>
+                  <a:solidFill>
                     <a:srgbClr val="000000"/>
                   </a:solidFill>
                   <a:effectLst/>
@@ -34178,7 +34438,7 @@
                   <a:ea typeface="微软雅黑" panose="020B0503020204020204" charset="-122"/>
                   <a:cs typeface="微软雅黑" panose="020B0503020204020204" charset="-122"/>
                 </a:rPr>
-                <a:t>代理关系。</a:t>
+                <a:t>。</a:t>
               </a:r>
               <a:endParaRPr kumimoji="1" lang="en-US" altLang="zh-CN" sz="2000" b="0" i="0" u="none" strike="noStrike" kern="1200" cap="none" spc="0" normalizeH="0" baseline="0" noProof="0" dirty="0">
                 <a:ln>
@@ -34310,7 +34570,41 @@
                   <a:ea typeface="微软雅黑" panose="020B0503020204020204" charset="-122"/>
                   <a:cs typeface="微软雅黑" panose="020B0503020204020204" charset="-122"/>
                 </a:rPr>
-                <a:t>代理关系存续的最重要因素，如政府无法回应公众的期待和信任，就会出现信任危机，威胁到委托</a:t>
+                <a:t>代理关系</a:t>
+              </a:r>
+              <a:r>
+                <a:rPr kumimoji="1" lang="zh-CN" altLang="en-US" sz="2000" b="0" i="0" u="none" strike="noStrike" kern="1200" cap="none" spc="0" normalizeH="0" baseline="0" noProof="0" dirty="0">
+                  <a:ln>
+                    <a:noFill/>
+                  </a:ln>
+                  <a:solidFill>
+                    <a:srgbClr val="00B0F0"/>
+                  </a:solidFill>
+                  <a:effectLst/>
+                  <a:uLnTx/>
+                  <a:uFillTx/>
+                  <a:latin typeface="微软雅黑" panose="020B0503020204020204" charset="-122"/>
+                  <a:ea typeface="微软雅黑" panose="020B0503020204020204" charset="-122"/>
+                  <a:cs typeface="微软雅黑" panose="020B0503020204020204" charset="-122"/>
+                </a:rPr>
+                <a:t>存续的最重要因素</a:t>
+              </a:r>
+              <a:r>
+                <a:rPr kumimoji="1" lang="zh-CN" altLang="en-US" sz="2000" b="0" i="0" u="none" strike="noStrike" kern="1200" cap="none" spc="0" normalizeH="0" baseline="0" noProof="0" dirty="0">
+                  <a:ln>
+                    <a:noFill/>
+                  </a:ln>
+                  <a:solidFill>
+                    <a:srgbClr val="000000"/>
+                  </a:solidFill>
+                  <a:effectLst/>
+                  <a:uLnTx/>
+                  <a:uFillTx/>
+                  <a:latin typeface="微软雅黑" panose="020B0503020204020204" charset="-122"/>
+                  <a:ea typeface="微软雅黑" panose="020B0503020204020204" charset="-122"/>
+                  <a:cs typeface="微软雅黑" panose="020B0503020204020204" charset="-122"/>
+                </a:rPr>
+                <a:t>，如政府无法回应公众的期待和信任，就会出现信任危机，威胁到委托</a:t>
               </a:r>
               <a:r>
                 <a:rPr kumimoji="1" lang="en-US" altLang="zh-CN" sz="2000" b="0" i="0" u="none" strike="noStrike" kern="1200" cap="none" spc="0" normalizeH="0" baseline="0" noProof="0" dirty="0">
@@ -34401,7 +34695,7 @@
                     <a:noFill/>
                   </a:ln>
                   <a:solidFill>
-                    <a:srgbClr val="FF0000"/>
+                    <a:srgbClr val="00B0F0"/>
                   </a:solidFill>
                   <a:effectLst/>
                   <a:uLnTx/>

--- a/files/slides/lecture_12.pptx
+++ b/files/slides/lecture_12.pptx
@@ -17358,7 +17358,7 @@
         </p:nvGrpSpPr>
         <p:grpSpPr>
           <a:xfrm>
-            <a:off x="-2" y="0"/>
+            <a:off x="633" y="-75565"/>
             <a:ext cx="12192002" cy="6858000"/>
             <a:chOff x="-2" y="0"/>
             <a:chExt cx="12192002" cy="6858000"/>
@@ -17894,7 +17894,7 @@
                 <a:latin typeface="微软雅黑" panose="020B0503020204020204" charset="-122"/>
                 <a:ea typeface="微软雅黑" panose="020B0503020204020204" charset="-122"/>
               </a:rPr>
-              <a:t>培养政府官员的诚信意识。</a:t>
+              <a:t>培养政府官员的诚信意识；</a:t>
             </a:r>
             <a:endParaRPr lang="zh-CN" altLang="en-US" sz="2000">
               <a:latin typeface="微软雅黑" panose="020B0503020204020204" charset="-122"/>

--- a/files/slides/lecture_12.pptx
+++ b/files/slides/lecture_12.pptx
@@ -9440,9 +9440,9 @@
         <p:grpSpPr>
           <a:xfrm>
             <a:off x="1655445" y="1605915"/>
-            <a:ext cx="8881745" cy="4469765"/>
+            <a:ext cx="8881745" cy="4470400"/>
             <a:chOff x="98" y="2793"/>
-            <a:chExt cx="13987" cy="7039"/>
+            <a:chExt cx="13987" cy="7040"/>
           </a:xfrm>
         </p:grpSpPr>
         <p:cxnSp>
@@ -10026,7 +10026,7 @@
           <p:spPr>
             <a:xfrm>
               <a:off x="738" y="6308"/>
-              <a:ext cx="4535" cy="1212"/>
+              <a:ext cx="4535" cy="580"/>
             </a:xfrm>
             <a:prstGeom prst="rect">
               <a:avLst/>
@@ -10048,20 +10048,6 @@
                   <a:ea typeface="微软雅黑" panose="020B0503020204020204" charset="-122"/>
                 </a:rPr>
                 <a:t>主观型信用危机</a:t>
-              </a:r>
-              <a:endParaRPr lang="en-US" altLang="zh-CN" b="1">
-                <a:latin typeface="微软雅黑" panose="020B0503020204020204" charset="-122"/>
-                <a:ea typeface="微软雅黑" panose="020B0503020204020204" charset="-122"/>
-              </a:endParaRPr>
-            </a:p>
-            <a:p>
-              <a:pPr algn="just" eaLnBrk="0" hangingPunct="0"/>
-              <a:r>
-                <a:rPr lang="zh-CN" altLang="en-US" sz="1600" b="1" dirty="0">
-                  <a:latin typeface="微软雅黑" panose="020B0503020204020204" charset="-122"/>
-                  <a:ea typeface="微软雅黑" panose="020B0503020204020204" charset="-122"/>
-                </a:rPr>
-                <a:t>（讨论重点）</a:t>
               </a:r>
               <a:endParaRPr lang="en-US" altLang="zh-CN" sz="1600" b="1">
                 <a:latin typeface="微软雅黑" panose="020B0503020204020204" charset="-122"/>
@@ -10877,9 +10863,9 @@
         <p:grpSpPr>
           <a:xfrm>
             <a:off x="1880235" y="1024890"/>
-            <a:ext cx="8434070" cy="5196205"/>
+            <a:ext cx="8434070" cy="5196840"/>
             <a:chOff x="723" y="1867"/>
-            <a:chExt cx="13282" cy="8183"/>
+            <a:chExt cx="13282" cy="8184"/>
           </a:xfrm>
         </p:grpSpPr>
         <p:sp>
@@ -11540,7 +11526,7 @@
           <p:spPr>
             <a:xfrm>
               <a:off x="5678" y="6173"/>
-              <a:ext cx="3395" cy="3052"/>
+              <a:ext cx="3395" cy="3633"/>
             </a:xfrm>
             <a:prstGeom prst="rect">
               <a:avLst/>
@@ -11565,7 +11551,7 @@
                   <a:ea typeface="微软雅黑" panose="020B0503020204020204" charset="-122"/>
                   <a:cs typeface="微软雅黑" panose="020B0503020204020204" charset="-122"/>
                 </a:rPr>
-                <a:t>政府官员是理性的自利者</a:t>
+                <a:t>少数政府官员是理性的自利者</a:t>
               </a:r>
               <a:r>
                 <a:rPr lang="en-US" altLang="zh-CN" sz="2400">
@@ -11577,6 +11563,17 @@
                   <a:cs typeface="微软雅黑" panose="020B0503020204020204" charset="-122"/>
                 </a:rPr>
                 <a:t>,</a:t>
+              </a:r>
+              <a:r>
+                <a:rPr lang="zh-CN" altLang="en-US" sz="2400">
+                  <a:solidFill>
+                    <a:srgbClr val="000000"/>
+                  </a:solidFill>
+                  <a:latin typeface="微软雅黑" panose="020B0503020204020204" charset="-122"/>
+                  <a:ea typeface="微软雅黑" panose="020B0503020204020204" charset="-122"/>
+                  <a:cs typeface="微软雅黑" panose="020B0503020204020204" charset="-122"/>
+                </a:rPr>
+                <a:t>丧失理想信念，</a:t>
               </a:r>
               <a:r>
                 <a:rPr lang="zh-CN" altLang="en-US" sz="2400" dirty="0">
@@ -11827,7 +11824,7 @@
                   <a:latin typeface="微软雅黑" panose="020B0503020204020204" charset="-122"/>
                   <a:ea typeface="微软雅黑" panose="020B0503020204020204" charset="-122"/>
                 </a:rPr>
-                <a:t>政府在提供公共产品或公共服务时享有充分的信息优势，公众怀疑政府提供信息的真实性。</a:t>
+                <a:t>政府在提供公共产品或公共服务时享有充分的信息优势，公众可能怀疑政府提供信息的真实性。</a:t>
               </a:r>
               <a:endParaRPr lang="zh-CN" altLang="en-US" sz="2400" dirty="0">
                 <a:solidFill>
@@ -13161,9 +13158,9 @@
         <p:grpSpPr>
           <a:xfrm>
             <a:off x="2168843" y="1841500"/>
-            <a:ext cx="7853362" cy="4321175"/>
+            <a:ext cx="7853362" cy="4321810"/>
             <a:chOff x="3417" y="2200"/>
-            <a:chExt cx="12367" cy="6805"/>
+            <a:chExt cx="12367" cy="6806"/>
           </a:xfrm>
         </p:grpSpPr>
         <p:grpSp>
@@ -13175,9 +13172,9 @@
           <p:grpSpPr>
             <a:xfrm>
               <a:off x="3417" y="2200"/>
-              <a:ext cx="12367" cy="6805"/>
+              <a:ext cx="12367" cy="6806"/>
               <a:chOff x="1073" y="3245"/>
-              <a:chExt cx="12367" cy="6805"/>
+              <a:chExt cx="12367" cy="6806"/>
             </a:xfrm>
           </p:grpSpPr>
           <p:sp>
@@ -13583,7 +13580,7 @@
             <p:spPr>
               <a:xfrm>
                 <a:off x="5703" y="6308"/>
-                <a:ext cx="3152" cy="3635"/>
+                <a:ext cx="3152" cy="3633"/>
               </a:xfrm>
               <a:prstGeom prst="rect">
                 <a:avLst/>
@@ -13607,7 +13604,7 @@
                     <a:latin typeface="微软雅黑" panose="020B0503020204020204" charset="-122"/>
                     <a:ea typeface="微软雅黑" panose="020B0503020204020204" charset="-122"/>
                   </a:rPr>
-                  <a:t>诚信教育的缺席和某些政府官员本身的职业道德素养存在问题</a:t>
+                  <a:t>诚信教育的欠缺和某些政府官员本身的职业道德素养存在问题</a:t>
                 </a:r>
                 <a:r>
                   <a:rPr lang="zh-CN" altLang="en-US" sz="1800" dirty="0">
@@ -15438,9 +15435,9 @@
         <p:grpSpPr>
           <a:xfrm>
             <a:off x="2934335" y="1849755"/>
-            <a:ext cx="6376988" cy="4383405"/>
+            <a:ext cx="6376988" cy="4488180"/>
             <a:chOff x="1575" y="3230"/>
-            <a:chExt cx="10043" cy="6903"/>
+            <a:chExt cx="10043" cy="7068"/>
           </a:xfrm>
         </p:grpSpPr>
         <p:sp>
@@ -15649,7 +15646,7 @@
           <p:spPr>
             <a:xfrm>
               <a:off x="1713" y="6083"/>
-              <a:ext cx="3977" cy="3633"/>
+              <a:ext cx="3977" cy="4215"/>
             </a:xfrm>
             <a:prstGeom prst="rect">
               <a:avLst/>
@@ -15673,7 +15670,7 @@
                   <a:latin typeface="微软雅黑" panose="020B0503020204020204" charset="-122"/>
                   <a:ea typeface="微软雅黑" panose="020B0503020204020204" charset="-122"/>
                 </a:rPr>
-                <a:t>官本位思想严重。当官做老爷与光宗耀祖、出人头地是密切相连的，领导者一有权力就为所欲为</a:t>
+                <a:t>官本位思想严重。当官做老爷与光宗耀祖、出人头地是密切相连的，个别人员一有权力就为所欲为</a:t>
               </a:r>
               <a:endParaRPr lang="en-US" altLang="zh-CN" sz="1800">
                 <a:solidFill>
@@ -15891,7 +15888,7 @@
           <p:spPr>
             <a:xfrm>
               <a:off x="7465" y="6185"/>
-              <a:ext cx="3898" cy="3052"/>
+              <a:ext cx="3898" cy="3633"/>
             </a:xfrm>
             <a:prstGeom prst="rect">
               <a:avLst/>
@@ -15915,7 +15912,7 @@
                   <a:latin typeface="微软雅黑" panose="020B0503020204020204" charset="-122"/>
                   <a:ea typeface="微软雅黑" panose="020B0503020204020204" charset="-122"/>
                 </a:rPr>
-                <a:t>政府包揽一切，管制一切，指挥一切。应退出微观经济领域，进入宏观调控。</a:t>
+                <a:t>政府包揽一切，管制一切，指挥一切。应退出部分微观经济领域，强化宏观调控。</a:t>
               </a:r>
               <a:endParaRPr lang="zh-CN" altLang="en-US" sz="2400" dirty="0">
                 <a:solidFill>
@@ -17241,7 +17238,7 @@
                 <a:latin typeface="微软雅黑" panose="020B0503020204020204" charset="-122"/>
                 <a:ea typeface="微软雅黑" panose="020B0503020204020204" charset="-122"/>
               </a:rPr>
-              <a:t>毁掉了政府机构公信力；</a:t>
+              <a:t>毁掉了政府机构的公信力；</a:t>
             </a:r>
             <a:endParaRPr lang="zh-CN" altLang="en-US" sz="2400">
               <a:latin typeface="微软雅黑" panose="020B0503020204020204" charset="-122"/>
@@ -20196,7 +20193,7 @@
                 <a:ea typeface="微软雅黑" panose="020B0503020204020204" charset="-122"/>
                 <a:cs typeface="+mn-cs"/>
               </a:rPr>
-              <a:t>了解公债信用管理概念</a:t>
+              <a:t>了解公债信用管理的概念</a:t>
             </a:r>
             <a:endParaRPr kumimoji="0" lang="zh-CN" altLang="en-US" sz="2400" i="0" u="none" strike="noStrike" kern="1200" cap="none" spc="0" normalizeH="0" baseline="0" noProof="0" dirty="0">
               <a:ln>
